--- a/卢老师论文汇报/1213汇报.pptx
+++ b/卢老师论文汇报/1213汇报.pptx
@@ -12,12 +12,10 @@
     <p:sldId id="442" r:id="rId6"/>
     <p:sldId id="443" r:id="rId7"/>
     <p:sldId id="421" r:id="rId8"/>
-    <p:sldId id="422" r:id="rId9"/>
-    <p:sldId id="435" r:id="rId10"/>
-    <p:sldId id="436" r:id="rId11"/>
-    <p:sldId id="437" r:id="rId12"/>
-    <p:sldId id="450" r:id="rId13"/>
-    <p:sldId id="451" r:id="rId14"/>
+    <p:sldId id="452" r:id="rId9"/>
+    <p:sldId id="453" r:id="rId10"/>
+    <p:sldId id="450" r:id="rId11"/>
+    <p:sldId id="451" r:id="rId12"/>
   </p:sldIdLst>
   <p:sldSz cx="12192000" cy="6858000"/>
   <p:notesSz cx="6858000" cy="9144000"/>
@@ -271,7 +269,7 @@
           <a:p>
             <a:fld id="{05D1DEA3-224F-45CD-ABFB-AAB1758CA7DD}" type="datetimeFigureOut">
               <a:rPr lang="zh-CN" altLang="en-US" smtClean="0"/>
-              <a:t>2023/12/11</a:t>
+              <a:t>2023/12/19</a:t>
             </a:fld>
             <a:endParaRPr lang="zh-CN" altLang="en-US"/>
           </a:p>
@@ -469,7 +467,7 @@
           <a:p>
             <a:fld id="{05D1DEA3-224F-45CD-ABFB-AAB1758CA7DD}" type="datetimeFigureOut">
               <a:rPr lang="zh-CN" altLang="en-US" smtClean="0"/>
-              <a:t>2023/12/11</a:t>
+              <a:t>2023/12/19</a:t>
             </a:fld>
             <a:endParaRPr lang="zh-CN" altLang="en-US"/>
           </a:p>
@@ -677,7 +675,7 @@
           <a:p>
             <a:fld id="{05D1DEA3-224F-45CD-ABFB-AAB1758CA7DD}" type="datetimeFigureOut">
               <a:rPr lang="zh-CN" altLang="en-US" smtClean="0"/>
-              <a:t>2023/12/11</a:t>
+              <a:t>2023/12/19</a:t>
             </a:fld>
             <a:endParaRPr lang="zh-CN" altLang="en-US"/>
           </a:p>
@@ -875,7 +873,7 @@
           <a:p>
             <a:fld id="{05D1DEA3-224F-45CD-ABFB-AAB1758CA7DD}" type="datetimeFigureOut">
               <a:rPr lang="zh-CN" altLang="en-US" smtClean="0"/>
-              <a:t>2023/12/11</a:t>
+              <a:t>2023/12/19</a:t>
             </a:fld>
             <a:endParaRPr lang="zh-CN" altLang="en-US"/>
           </a:p>
@@ -1150,7 +1148,7 @@
           <a:p>
             <a:fld id="{05D1DEA3-224F-45CD-ABFB-AAB1758CA7DD}" type="datetimeFigureOut">
               <a:rPr lang="zh-CN" altLang="en-US" smtClean="0"/>
-              <a:t>2023/12/11</a:t>
+              <a:t>2023/12/19</a:t>
             </a:fld>
             <a:endParaRPr lang="zh-CN" altLang="en-US"/>
           </a:p>
@@ -1415,7 +1413,7 @@
           <a:p>
             <a:fld id="{05D1DEA3-224F-45CD-ABFB-AAB1758CA7DD}" type="datetimeFigureOut">
               <a:rPr lang="zh-CN" altLang="en-US" smtClean="0"/>
-              <a:t>2023/12/11</a:t>
+              <a:t>2023/12/19</a:t>
             </a:fld>
             <a:endParaRPr lang="zh-CN" altLang="en-US"/>
           </a:p>
@@ -1827,7 +1825,7 @@
           <a:p>
             <a:fld id="{05D1DEA3-224F-45CD-ABFB-AAB1758CA7DD}" type="datetimeFigureOut">
               <a:rPr lang="zh-CN" altLang="en-US" smtClean="0"/>
-              <a:t>2023/12/11</a:t>
+              <a:t>2023/12/19</a:t>
             </a:fld>
             <a:endParaRPr lang="zh-CN" altLang="en-US"/>
           </a:p>
@@ -1968,7 +1966,7 @@
           <a:p>
             <a:fld id="{05D1DEA3-224F-45CD-ABFB-AAB1758CA7DD}" type="datetimeFigureOut">
               <a:rPr lang="zh-CN" altLang="en-US" smtClean="0"/>
-              <a:t>2023/12/11</a:t>
+              <a:t>2023/12/19</a:t>
             </a:fld>
             <a:endParaRPr lang="zh-CN" altLang="en-US"/>
           </a:p>
@@ -2081,7 +2079,7 @@
           <a:p>
             <a:fld id="{05D1DEA3-224F-45CD-ABFB-AAB1758CA7DD}" type="datetimeFigureOut">
               <a:rPr lang="zh-CN" altLang="en-US" smtClean="0"/>
-              <a:t>2023/12/11</a:t>
+              <a:t>2023/12/19</a:t>
             </a:fld>
             <a:endParaRPr lang="zh-CN" altLang="en-US"/>
           </a:p>
@@ -2392,7 +2390,7 @@
           <a:p>
             <a:fld id="{05D1DEA3-224F-45CD-ABFB-AAB1758CA7DD}" type="datetimeFigureOut">
               <a:rPr lang="zh-CN" altLang="en-US" smtClean="0"/>
-              <a:t>2023/12/11</a:t>
+              <a:t>2023/12/19</a:t>
             </a:fld>
             <a:endParaRPr lang="zh-CN" altLang="en-US"/>
           </a:p>
@@ -2680,7 +2678,7 @@
           <a:p>
             <a:fld id="{05D1DEA3-224F-45CD-ABFB-AAB1758CA7DD}" type="datetimeFigureOut">
               <a:rPr lang="zh-CN" altLang="en-US" smtClean="0"/>
-              <a:t>2023/12/11</a:t>
+              <a:t>2023/12/19</a:t>
             </a:fld>
             <a:endParaRPr lang="zh-CN" altLang="en-US"/>
           </a:p>
@@ -2921,7 +2919,7 @@
           <a:p>
             <a:fld id="{05D1DEA3-224F-45CD-ABFB-AAB1758CA7DD}" type="datetimeFigureOut">
               <a:rPr lang="zh-CN" altLang="en-US" smtClean="0"/>
-              <a:t>2023/12/11</a:t>
+              <a:t>2023/12/19</a:t>
             </a:fld>
             <a:endParaRPr lang="zh-CN" altLang="en-US"/>
           </a:p>
@@ -3447,63 +3445,12 @@
           <a:chExt cx="0" cy="0"/>
         </a:xfrm>
       </p:grpSpPr>
-      <p:sp>
-        <p:nvSpPr>
-          <p:cNvPr id="4" name="文本框 3">
-            <a:extLst>
-              <a:ext uri="{FF2B5EF4-FFF2-40B4-BE49-F238E27FC236}">
-                <a16:creationId xmlns:a16="http://schemas.microsoft.com/office/drawing/2014/main" id="{C8C66590-5AA9-4693-8D05-DB6B2C455FC8}"/>
-              </a:ext>
-            </a:extLst>
-          </p:cNvPr>
-          <p:cNvSpPr txBox="1"/>
-          <p:nvPr/>
-        </p:nvSpPr>
-        <p:spPr>
-          <a:xfrm>
-            <a:off x="1023115" y="305942"/>
-            <a:ext cx="9794514" cy="673005"/>
-          </a:xfrm>
-          <a:prstGeom prst="rect">
-            <a:avLst/>
-          </a:prstGeom>
-          <a:noFill/>
-        </p:spPr>
-        <p:txBody>
-          <a:bodyPr wrap="square" rtlCol="0">
-            <a:spAutoFit/>
-          </a:bodyPr>
-          <a:lstStyle/>
-          <a:p>
-            <a:pPr>
-              <a:lnSpc>
-                <a:spcPct val="150000"/>
-              </a:lnSpc>
-            </a:pPr>
-            <a:r>
-              <a:rPr lang="en-US" altLang="zh-CN" sz="2800" b="1" dirty="0">
-                <a:latin typeface="+mn-ea"/>
-              </a:rPr>
-              <a:t>result</a:t>
-            </a:r>
-            <a:r>
-              <a:rPr lang="zh-CN" altLang="en-US" sz="2800" dirty="0">
-                <a:latin typeface="+mn-ea"/>
-              </a:rPr>
-              <a:t>（无噪声特征选择）</a:t>
-            </a:r>
-            <a:endParaRPr lang="en-US" altLang="zh-CN" sz="2800" dirty="0">
-              <a:latin typeface="+mn-ea"/>
-            </a:endParaRPr>
-          </a:p>
-        </p:txBody>
-      </p:sp>
       <p:pic>
         <p:nvPicPr>
-          <p:cNvPr id="5" name="图片 4">
-            <a:extLst>
-              <a:ext uri="{FF2B5EF4-FFF2-40B4-BE49-F238E27FC236}">
-                <a16:creationId xmlns:a16="http://schemas.microsoft.com/office/drawing/2014/main" id="{067E24B4-71F7-7A2C-B2D6-DCF006BCC495}"/>
+          <p:cNvPr id="4" name="图片 3">
+            <a:extLst>
+              <a:ext uri="{FF2B5EF4-FFF2-40B4-BE49-F238E27FC236}">
+                <a16:creationId xmlns:a16="http://schemas.microsoft.com/office/drawing/2014/main" id="{B9213BC6-3C25-3902-D143-8E5CFF518CB1}"/>
               </a:ext>
             </a:extLst>
           </p:cNvPr>
@@ -3520,80 +3467,20 @@
         </p:blipFill>
         <p:spPr>
           <a:xfrm>
-            <a:off x="931259" y="1320302"/>
-            <a:ext cx="10325458" cy="1185482"/>
+            <a:off x="80962" y="2119312"/>
+            <a:ext cx="12030075" cy="2619375"/>
           </a:xfrm>
           <a:prstGeom prst="rect">
             <a:avLst/>
           </a:prstGeom>
         </p:spPr>
       </p:pic>
-      <p:pic>
-        <p:nvPicPr>
-          <p:cNvPr id="9" name="图片 8">
-            <a:extLst>
-              <a:ext uri="{FF2B5EF4-FFF2-40B4-BE49-F238E27FC236}">
-                <a16:creationId xmlns:a16="http://schemas.microsoft.com/office/drawing/2014/main" id="{8C023A80-9227-EB51-B876-3263E5C17ED3}"/>
-              </a:ext>
-            </a:extLst>
-          </p:cNvPr>
-          <p:cNvPicPr>
-            <a:picLocks noChangeAspect="1"/>
-          </p:cNvPicPr>
-          <p:nvPr/>
-        </p:nvPicPr>
-        <p:blipFill>
-          <a:blip r:embed="rId3"/>
-          <a:stretch>
-            <a:fillRect/>
-          </a:stretch>
-        </p:blipFill>
-        <p:spPr>
-          <a:xfrm>
-            <a:off x="931259" y="3314997"/>
-            <a:ext cx="9929345" cy="1122008"/>
-          </a:xfrm>
-          <a:prstGeom prst="rect">
-            <a:avLst/>
-          </a:prstGeom>
-        </p:spPr>
-      </p:pic>
-    </p:spTree>
-    <p:extLst>
-      <p:ext uri="{BB962C8B-B14F-4D97-AF65-F5344CB8AC3E}">
-        <p14:creationId xmlns:p14="http://schemas.microsoft.com/office/powerpoint/2010/main" val="941429771"/>
-      </p:ext>
-    </p:extLst>
-  </p:cSld>
-  <p:clrMapOvr>
-    <a:masterClrMapping/>
-  </p:clrMapOvr>
-</p:sld>
-</file>
-
-<file path=ppt/slides/slide11.xml><?xml version="1.0" encoding="utf-8"?>
-<p:sld xmlns:a="http://schemas.openxmlformats.org/drawingml/2006/main" xmlns:r="http://schemas.openxmlformats.org/officeDocument/2006/relationships" xmlns:p="http://schemas.openxmlformats.org/presentationml/2006/main">
-  <p:cSld>
-    <p:spTree>
-      <p:nvGrpSpPr>
-        <p:cNvPr id="1" name=""/>
-        <p:cNvGrpSpPr/>
-        <p:nvPr/>
-      </p:nvGrpSpPr>
-      <p:grpSpPr>
-        <a:xfrm>
-          <a:off x="0" y="0"/>
-          <a:ext cx="0" cy="0"/>
-          <a:chOff x="0" y="0"/>
-          <a:chExt cx="0" cy="0"/>
-        </a:xfrm>
-      </p:grpSpPr>
-      <p:sp>
-        <p:nvSpPr>
-          <p:cNvPr id="4" name="文本框 3">
-            <a:extLst>
-              <a:ext uri="{FF2B5EF4-FFF2-40B4-BE49-F238E27FC236}">
-                <a16:creationId xmlns:a16="http://schemas.microsoft.com/office/drawing/2014/main" id="{C8C66590-5AA9-4693-8D05-DB6B2C455FC8}"/>
+      <p:sp>
+        <p:nvSpPr>
+          <p:cNvPr id="5" name="文本框 4">
+            <a:extLst>
+              <a:ext uri="{FF2B5EF4-FFF2-40B4-BE49-F238E27FC236}">
+                <a16:creationId xmlns:a16="http://schemas.microsoft.com/office/drawing/2014/main" id="{B14CC15E-8B3B-D9DD-1B3A-F3C24894E160}"/>
               </a:ext>
             </a:extLst>
           </p:cNvPr>
@@ -3602,8 +3489,8 @@
         </p:nvSpPr>
         <p:spPr>
           <a:xfrm>
-            <a:off x="1023115" y="305942"/>
-            <a:ext cx="9794514" cy="673005"/>
+            <a:off x="645129" y="403907"/>
+            <a:ext cx="1630575" cy="369332"/>
           </a:xfrm>
           <a:prstGeom prst="rect">
             <a:avLst/>
@@ -3611,314 +3498,16 @@
           <a:noFill/>
         </p:spPr>
         <p:txBody>
-          <a:bodyPr wrap="square" rtlCol="0">
-            <a:spAutoFit/>
-          </a:bodyPr>
-          <a:lstStyle/>
-          <a:p>
-            <a:pPr>
-              <a:lnSpc>
-                <a:spcPct val="150000"/>
-              </a:lnSpc>
-            </a:pPr>
-            <a:r>
-              <a:rPr lang="en-US" altLang="zh-CN" sz="2800" b="1" dirty="0">
-                <a:latin typeface="+mn-ea"/>
-              </a:rPr>
-              <a:t>result</a:t>
-            </a:r>
-            <a:endParaRPr lang="en-US" altLang="zh-CN" sz="2800" dirty="0">
-              <a:latin typeface="+mn-ea"/>
-            </a:endParaRPr>
-          </a:p>
-        </p:txBody>
-      </p:sp>
-      <p:sp>
-        <p:nvSpPr>
-          <p:cNvPr id="2" name="文本框 1">
-            <a:extLst>
-              <a:ext uri="{FF2B5EF4-FFF2-40B4-BE49-F238E27FC236}">
-                <a16:creationId xmlns:a16="http://schemas.microsoft.com/office/drawing/2014/main" id="{55E5A240-8A01-84B9-FD39-C52286AB3DFA}"/>
-              </a:ext>
-            </a:extLst>
-          </p:cNvPr>
-          <p:cNvSpPr txBox="1"/>
-          <p:nvPr/>
-        </p:nvSpPr>
-        <p:spPr>
-          <a:xfrm>
-            <a:off x="6726803" y="2445130"/>
-            <a:ext cx="5234125" cy="1200329"/>
-          </a:xfrm>
-          <a:prstGeom prst="rect">
-            <a:avLst/>
-          </a:prstGeom>
-          <a:noFill/>
-        </p:spPr>
-        <p:txBody>
           <a:bodyPr wrap="none" rtlCol="0">
             <a:spAutoFit/>
           </a:bodyPr>
           <a:lstStyle/>
           <a:p>
             <a:r>
-              <a:rPr lang="zh-CN" altLang="en-US" dirty="0"/>
-              <a:t>加噪声</a:t>
-            </a:r>
-            <a:r>
-              <a:rPr lang="en-US" altLang="zh-CN" dirty="0"/>
-              <a:t>-</a:t>
-            </a:r>
-            <a:r>
-              <a:rPr lang="zh-CN" altLang="en-US" dirty="0"/>
-              <a:t>加噪声加特征</a:t>
-            </a:r>
-            <a:r>
-              <a:rPr lang="en-US" altLang="zh-CN" dirty="0"/>
-              <a:t>/</a:t>
-            </a:r>
-            <a:r>
-              <a:rPr lang="zh-CN" altLang="en-US" dirty="0"/>
-              <a:t>加噪声（第二数据集更大）</a:t>
-            </a:r>
-            <a:endParaRPr lang="en-US" altLang="zh-CN" dirty="0"/>
-          </a:p>
-          <a:p>
-            <a:r>
-              <a:rPr lang="zh-CN" altLang="en-US" dirty="0"/>
-              <a:t>加特征选择但无噪声</a:t>
-            </a:r>
-            <a:endParaRPr lang="en-US" altLang="zh-CN" dirty="0"/>
-          </a:p>
-          <a:p>
-            <a:r>
-              <a:rPr lang="zh-CN" altLang="en-US" dirty="0"/>
-              <a:t>噪声变大算法效果趋势</a:t>
-            </a:r>
-            <a:endParaRPr lang="en-US" altLang="zh-CN" dirty="0"/>
-          </a:p>
-          <a:p>
-            <a:r>
-              <a:rPr lang="zh-CN" altLang="en-US" dirty="0"/>
-              <a:t>分量之间差去掉（先对比）</a:t>
-            </a:r>
-          </a:p>
-        </p:txBody>
-      </p:sp>
-      <p:pic>
-        <p:nvPicPr>
-          <p:cNvPr id="8" name="图片 7">
-            <a:extLst>
-              <a:ext uri="{FF2B5EF4-FFF2-40B4-BE49-F238E27FC236}">
-                <a16:creationId xmlns:a16="http://schemas.microsoft.com/office/drawing/2014/main" id="{95D69D2F-4673-040B-A30B-096BF3E84957}"/>
-              </a:ext>
-            </a:extLst>
-          </p:cNvPr>
-          <p:cNvPicPr>
-            <a:picLocks noChangeAspect="1"/>
-          </p:cNvPicPr>
-          <p:nvPr/>
-        </p:nvPicPr>
-        <p:blipFill>
-          <a:blip r:embed="rId2">
-            <a:extLst>
-              <a:ext uri="{28A0092B-C50C-407E-A947-70E740481C1C}">
-                <a14:useLocalDpi xmlns:a14="http://schemas.microsoft.com/office/drawing/2010/main" val="0"/>
-              </a:ext>
-            </a:extLst>
-          </a:blip>
-          <a:stretch>
-            <a:fillRect/>
-          </a:stretch>
-        </p:blipFill>
-        <p:spPr>
-          <a:xfrm>
-            <a:off x="746332" y="1450895"/>
-            <a:ext cx="5852172" cy="4389129"/>
-          </a:xfrm>
-          <a:prstGeom prst="rect">
-            <a:avLst/>
-          </a:prstGeom>
-        </p:spPr>
-      </p:pic>
-    </p:spTree>
-    <p:extLst>
-      <p:ext uri="{BB962C8B-B14F-4D97-AF65-F5344CB8AC3E}">
-        <p14:creationId xmlns:p14="http://schemas.microsoft.com/office/powerpoint/2010/main" val="3884249665"/>
-      </p:ext>
-    </p:extLst>
-  </p:cSld>
-  <p:clrMapOvr>
-    <a:masterClrMapping/>
-  </p:clrMapOvr>
-</p:sld>
-</file>
-
-<file path=ppt/slides/slide12.xml><?xml version="1.0" encoding="utf-8"?>
-<p:sld xmlns:a="http://schemas.openxmlformats.org/drawingml/2006/main" xmlns:r="http://schemas.openxmlformats.org/officeDocument/2006/relationships" xmlns:p="http://schemas.openxmlformats.org/presentationml/2006/main">
-  <p:cSld>
-    <p:spTree>
-      <p:nvGrpSpPr>
-        <p:cNvPr id="1" name=""/>
-        <p:cNvGrpSpPr/>
-        <p:nvPr/>
-      </p:nvGrpSpPr>
-      <p:grpSpPr>
-        <a:xfrm>
-          <a:off x="0" y="0"/>
-          <a:ext cx="0" cy="0"/>
-          <a:chOff x="0" y="0"/>
-          <a:chExt cx="0" cy="0"/>
-        </a:xfrm>
-      </p:grpSpPr>
-      <p:sp>
-        <p:nvSpPr>
-          <p:cNvPr id="2" name="矩形 1">
-            <a:extLst>
-              <a:ext uri="{FF2B5EF4-FFF2-40B4-BE49-F238E27FC236}">
-                <a16:creationId xmlns:a16="http://schemas.microsoft.com/office/drawing/2014/main" id="{AA84469A-F4CD-472D-91E9-01107890EA7A}"/>
-              </a:ext>
-            </a:extLst>
-          </p:cNvPr>
-          <p:cNvSpPr/>
-          <p:nvPr/>
-        </p:nvSpPr>
-        <p:spPr>
-          <a:xfrm>
-            <a:off x="499533" y="501640"/>
-            <a:ext cx="11065933" cy="1600438"/>
-          </a:xfrm>
-          <a:prstGeom prst="rect">
-            <a:avLst/>
-          </a:prstGeom>
-        </p:spPr>
-        <p:txBody>
-          <a:bodyPr wrap="square">
-            <a:spAutoFit/>
-          </a:bodyPr>
-          <a:lstStyle/>
-          <a:p>
-            <a:r>
-              <a:rPr lang="zh-CN" altLang="en-US" sz="1400" dirty="0"/>
-              <a:t>加噪声</a:t>
-            </a:r>
-            <a:r>
-              <a:rPr lang="en-US" altLang="zh-CN" sz="1400" dirty="0" err="1"/>
-              <a:t>mae</a:t>
-            </a:r>
-            <a:r>
-              <a:rPr lang="en-US" altLang="zh-CN" sz="1400" dirty="0"/>
-              <a:t>——0.13093118799580475,rmse——0.15272286646935945</a:t>
-            </a:r>
-          </a:p>
-          <a:p>
-            <a:r>
-              <a:rPr lang="en-US" altLang="zh-CN" sz="1400" dirty="0"/>
-              <a:t>XGB</a:t>
-            </a:r>
-            <a:r>
-              <a:rPr lang="zh-CN" altLang="en-US" sz="1400" dirty="0"/>
-              <a:t>加噪声加特征选择算法</a:t>
-            </a:r>
-            <a:r>
-              <a:rPr lang="en-US" altLang="zh-CN" sz="1400" dirty="0" err="1"/>
-              <a:t>mae</a:t>
-            </a:r>
-            <a:r>
-              <a:rPr lang="en-US" altLang="zh-CN" sz="1400" dirty="0"/>
-              <a:t>——0.060886915909605176,rmse——0.06482534585616785</a:t>
-            </a:r>
-          </a:p>
-          <a:p>
-            <a:r>
-              <a:rPr lang="en-US" altLang="zh-CN" sz="1400" dirty="0"/>
-              <a:t>TLS</a:t>
-            </a:r>
-            <a:r>
-              <a:rPr lang="zh-CN" altLang="en-US" sz="1400" dirty="0"/>
-              <a:t>加噪声加特征选择算法</a:t>
-            </a:r>
-            <a:r>
-              <a:rPr lang="en-US" altLang="zh-CN" sz="1400" dirty="0" err="1"/>
-              <a:t>mae</a:t>
-            </a:r>
-            <a:r>
-              <a:rPr lang="en-US" altLang="zh-CN" sz="1400" dirty="0"/>
-              <a:t>——0.06884068735039625,rmse——0.07183218730598398</a:t>
-            </a:r>
-          </a:p>
-          <a:p>
-            <a:r>
-              <a:rPr lang="en-US" altLang="zh-CN" sz="1400" dirty="0"/>
-              <a:t>PLS</a:t>
-            </a:r>
-            <a:r>
-              <a:rPr lang="zh-CN" altLang="en-US" sz="1400" dirty="0"/>
-              <a:t>加噪声加特征选择算法</a:t>
-            </a:r>
-            <a:r>
-              <a:rPr lang="en-US" altLang="zh-CN" sz="1400" dirty="0" err="1"/>
-              <a:t>mae</a:t>
-            </a:r>
-            <a:r>
-              <a:rPr lang="en-US" altLang="zh-CN" sz="1400" dirty="0"/>
-              <a:t>——0.050219588524978875,rmse——0.05257719989135986</a:t>
-            </a:r>
-          </a:p>
-          <a:p>
-            <a:r>
-              <a:rPr lang="en-US" altLang="zh-CN" sz="1400" dirty="0"/>
-              <a:t>CNN</a:t>
-            </a:r>
-            <a:r>
-              <a:rPr lang="zh-CN" altLang="en-US" sz="1400" dirty="0"/>
-              <a:t>加噪声加特征选择算法</a:t>
-            </a:r>
-            <a:r>
-              <a:rPr lang="en-US" altLang="zh-CN" sz="1400" dirty="0" err="1"/>
-              <a:t>mae</a:t>
-            </a:r>
-            <a:r>
-              <a:rPr lang="en-US" altLang="zh-CN" sz="1400" dirty="0"/>
-              <a:t>——0.3629259255928776,rmse——0.3678131260054198</a:t>
-            </a:r>
-          </a:p>
-          <a:p>
-            <a:r>
-              <a:rPr lang="en-US" altLang="zh-CN" sz="1400" dirty="0"/>
-              <a:t>SVM</a:t>
-            </a:r>
-            <a:r>
-              <a:rPr lang="zh-CN" altLang="en-US" sz="1400" dirty="0"/>
-              <a:t>加噪声加特征选择算法</a:t>
-            </a:r>
-            <a:r>
-              <a:rPr lang="en-US" altLang="zh-CN" sz="1400" dirty="0" err="1"/>
-              <a:t>mae</a:t>
-            </a:r>
-            <a:r>
-              <a:rPr lang="en-US" altLang="zh-CN" sz="1400" dirty="0"/>
-              <a:t>——0.1572922826941074,rmse——0.16051783272478862</a:t>
-            </a:r>
-          </a:p>
-          <a:p>
-            <a:r>
-              <a:rPr lang="en-US" altLang="zh-CN" sz="1400" dirty="0"/>
-              <a:t>GPR</a:t>
-            </a:r>
-            <a:r>
-              <a:rPr lang="zh-CN" altLang="en-US" sz="1400" dirty="0"/>
-              <a:t>加噪声加特征选择算法</a:t>
-            </a:r>
-            <a:r>
-              <a:rPr lang="en-US" altLang="zh-CN" sz="1400" dirty="0" err="1"/>
-              <a:t>mae</a:t>
-            </a:r>
-            <a:r>
-              <a:rPr lang="en-US" altLang="zh-CN" sz="1400" dirty="0"/>
-              <a:t>——0.6344708054430969,rmse——0.7218649427239197</a:t>
-            </a:r>
-            <a:endParaRPr lang="zh-CN" altLang="en-US" sz="1400" dirty="0"/>
+              <a:rPr lang="en-US" altLang="zh-CN" b="1" dirty="0"/>
+              <a:t>NASA dataset</a:t>
+            </a:r>
+            <a:endParaRPr lang="zh-CN" altLang="en-US" b="1" dirty="0"/>
           </a:p>
         </p:txBody>
       </p:sp>
@@ -3935,7 +3524,7 @@
 </p:sld>
 </file>
 
-<file path=ppt/slides/slide13.xml><?xml version="1.0" encoding="utf-8"?>
+<file path=ppt/slides/slide11.xml><?xml version="1.0" encoding="utf-8"?>
 <p:sld xmlns:a="http://schemas.openxmlformats.org/drawingml/2006/main" xmlns:r="http://schemas.openxmlformats.org/officeDocument/2006/relationships" xmlns:p="http://schemas.openxmlformats.org/presentationml/2006/main">
   <p:cSld>
     <p:spTree>
@@ -9120,7 +8709,7 @@
     </p:spTree>
     <p:extLst>
       <p:ext uri="{BB962C8B-B14F-4D97-AF65-F5344CB8AC3E}">
-        <p14:creationId xmlns:p14="http://schemas.microsoft.com/office/powerpoint/2010/main" val="429628039"/>
+        <p14:creationId xmlns:p14="http://schemas.microsoft.com/office/powerpoint/2010/main" val="4158178257"/>
       </p:ext>
     </p:extLst>
   </p:cSld>
@@ -9201,10 +8790,10 @@
       </p:sp>
       <p:pic>
         <p:nvPicPr>
-          <p:cNvPr id="6" name="图片 5">
-            <a:extLst>
-              <a:ext uri="{FF2B5EF4-FFF2-40B4-BE49-F238E27FC236}">
-                <a16:creationId xmlns:a16="http://schemas.microsoft.com/office/drawing/2014/main" id="{F2A14FFF-E449-6B7C-210E-8D8C2FCFD0FF}"/>
+          <p:cNvPr id="13" name="图片 12">
+            <a:extLst>
+              <a:ext uri="{FF2B5EF4-FFF2-40B4-BE49-F238E27FC236}">
+                <a16:creationId xmlns:a16="http://schemas.microsoft.com/office/drawing/2014/main" id="{6BDCEA42-AA46-02B2-2088-0099CD572E14}"/>
               </a:ext>
             </a:extLst>
           </p:cNvPr>
@@ -9221,8 +8810,8 @@
         </p:blipFill>
         <p:spPr>
           <a:xfrm>
-            <a:off x="1023115" y="1188277"/>
-            <a:ext cx="9352234" cy="1505799"/>
+            <a:off x="1023115" y="1247470"/>
+            <a:ext cx="9570988" cy="1058217"/>
           </a:xfrm>
           <a:prstGeom prst="rect">
             <a:avLst/>
@@ -9231,10 +8820,10 @@
       </p:pic>
       <p:pic>
         <p:nvPicPr>
-          <p:cNvPr id="8" name="图片 7">
-            <a:extLst>
-              <a:ext uri="{FF2B5EF4-FFF2-40B4-BE49-F238E27FC236}">
-                <a16:creationId xmlns:a16="http://schemas.microsoft.com/office/drawing/2014/main" id="{8214A146-C57F-1E62-CAB6-0A566AC5B4ED}"/>
+          <p:cNvPr id="5" name="图片 4">
+            <a:extLst>
+              <a:ext uri="{FF2B5EF4-FFF2-40B4-BE49-F238E27FC236}">
+                <a16:creationId xmlns:a16="http://schemas.microsoft.com/office/drawing/2014/main" id="{1461E970-ACEE-639B-C60E-22D6CEDD1E49}"/>
               </a:ext>
             </a:extLst>
           </p:cNvPr>
@@ -9251,8 +8840,8 @@
         </p:blipFill>
         <p:spPr>
           <a:xfrm>
-            <a:off x="1023115" y="3143604"/>
-            <a:ext cx="9352234" cy="1609608"/>
+            <a:off x="1023115" y="3044758"/>
+            <a:ext cx="9497913" cy="1200330"/>
           </a:xfrm>
           <a:prstGeom prst="rect">
             <a:avLst/>
@@ -9262,7 +8851,7 @@
     </p:spTree>
     <p:extLst>
       <p:ext uri="{BB962C8B-B14F-4D97-AF65-F5344CB8AC3E}">
-        <p14:creationId xmlns:p14="http://schemas.microsoft.com/office/powerpoint/2010/main" val="4207380212"/>
+        <p14:creationId xmlns:p14="http://schemas.microsoft.com/office/powerpoint/2010/main" val="804261925"/>
       </p:ext>
     </p:extLst>
   </p:cSld>

--- a/卢老师论文汇报/1213汇报.pptx
+++ b/卢老师论文汇报/1213汇报.pptx
@@ -12,10 +12,9 @@
     <p:sldId id="442" r:id="rId6"/>
     <p:sldId id="443" r:id="rId7"/>
     <p:sldId id="421" r:id="rId8"/>
-    <p:sldId id="452" r:id="rId9"/>
-    <p:sldId id="453" r:id="rId10"/>
-    <p:sldId id="450" r:id="rId11"/>
-    <p:sldId id="451" r:id="rId12"/>
+    <p:sldId id="453" r:id="rId9"/>
+    <p:sldId id="450" r:id="rId10"/>
+    <p:sldId id="451" r:id="rId11"/>
   </p:sldIdLst>
   <p:sldSz cx="12192000" cy="6858000"/>
   <p:notesSz cx="6858000" cy="9144000"/>
@@ -3445,102 +3444,6 @@
           <a:chExt cx="0" cy="0"/>
         </a:xfrm>
       </p:grpSpPr>
-      <p:pic>
-        <p:nvPicPr>
-          <p:cNvPr id="4" name="图片 3">
-            <a:extLst>
-              <a:ext uri="{FF2B5EF4-FFF2-40B4-BE49-F238E27FC236}">
-                <a16:creationId xmlns:a16="http://schemas.microsoft.com/office/drawing/2014/main" id="{B9213BC6-3C25-3902-D143-8E5CFF518CB1}"/>
-              </a:ext>
-            </a:extLst>
-          </p:cNvPr>
-          <p:cNvPicPr>
-            <a:picLocks noChangeAspect="1"/>
-          </p:cNvPicPr>
-          <p:nvPr/>
-        </p:nvPicPr>
-        <p:blipFill>
-          <a:blip r:embed="rId2"/>
-          <a:stretch>
-            <a:fillRect/>
-          </a:stretch>
-        </p:blipFill>
-        <p:spPr>
-          <a:xfrm>
-            <a:off x="80962" y="2119312"/>
-            <a:ext cx="12030075" cy="2619375"/>
-          </a:xfrm>
-          <a:prstGeom prst="rect">
-            <a:avLst/>
-          </a:prstGeom>
-        </p:spPr>
-      </p:pic>
-      <p:sp>
-        <p:nvSpPr>
-          <p:cNvPr id="5" name="文本框 4">
-            <a:extLst>
-              <a:ext uri="{FF2B5EF4-FFF2-40B4-BE49-F238E27FC236}">
-                <a16:creationId xmlns:a16="http://schemas.microsoft.com/office/drawing/2014/main" id="{B14CC15E-8B3B-D9DD-1B3A-F3C24894E160}"/>
-              </a:ext>
-            </a:extLst>
-          </p:cNvPr>
-          <p:cNvSpPr txBox="1"/>
-          <p:nvPr/>
-        </p:nvSpPr>
-        <p:spPr>
-          <a:xfrm>
-            <a:off x="645129" y="403907"/>
-            <a:ext cx="1630575" cy="369332"/>
-          </a:xfrm>
-          <a:prstGeom prst="rect">
-            <a:avLst/>
-          </a:prstGeom>
-          <a:noFill/>
-        </p:spPr>
-        <p:txBody>
-          <a:bodyPr wrap="none" rtlCol="0">
-            <a:spAutoFit/>
-          </a:bodyPr>
-          <a:lstStyle/>
-          <a:p>
-            <a:r>
-              <a:rPr lang="en-US" altLang="zh-CN" b="1" dirty="0"/>
-              <a:t>NASA dataset</a:t>
-            </a:r>
-            <a:endParaRPr lang="zh-CN" altLang="en-US" b="1" dirty="0"/>
-          </a:p>
-        </p:txBody>
-      </p:sp>
-    </p:spTree>
-    <p:extLst>
-      <p:ext uri="{BB962C8B-B14F-4D97-AF65-F5344CB8AC3E}">
-        <p14:creationId xmlns:p14="http://schemas.microsoft.com/office/powerpoint/2010/main" val="1070420701"/>
-      </p:ext>
-    </p:extLst>
-  </p:cSld>
-  <p:clrMapOvr>
-    <a:masterClrMapping/>
-  </p:clrMapOvr>
-</p:sld>
-</file>
-
-<file path=ppt/slides/slide11.xml><?xml version="1.0" encoding="utf-8"?>
-<p:sld xmlns:a="http://schemas.openxmlformats.org/drawingml/2006/main" xmlns:r="http://schemas.openxmlformats.org/officeDocument/2006/relationships" xmlns:p="http://schemas.openxmlformats.org/presentationml/2006/main">
-  <p:cSld>
-    <p:spTree>
-      <p:nvGrpSpPr>
-        <p:cNvPr id="1" name=""/>
-        <p:cNvGrpSpPr/>
-        <p:nvPr/>
-      </p:nvGrpSpPr>
-      <p:grpSpPr>
-        <a:xfrm>
-          <a:off x="0" y="0"/>
-          <a:ext cx="0" cy="0"/>
-          <a:chOff x="0" y="0"/>
-          <a:chExt cx="0" cy="0"/>
-        </a:xfrm>
-      </p:grpSpPr>
     </p:spTree>
     <p:extLst>
       <p:ext uri="{BB962C8B-B14F-4D97-AF65-F5344CB8AC3E}">
@@ -6311,7 +6214,7 @@
             <a:prstDash val="dash"/>
             <a:extLst>
               <a:ext uri="{C807C97D-BFC1-408E-A445-0C87EB9F89A2}">
-                <ask:lineSketchStyleProps xmlns:ask="http://schemas.microsoft.com/office/drawing/2018/sketchyshapes" sd="1219033472">
+                <ask:lineSketchStyleProps xmlns:ask="http://schemas.microsoft.com/office/drawing/2018/sketchyshapes" xmlns="" sd="1219033472">
                   <a:custGeom>
                     <a:avLst/>
                     <a:gdLst>
@@ -6607,7 +6510,7 @@
             <a:prstDash val="dash"/>
             <a:extLst>
               <a:ext uri="{C807C97D-BFC1-408E-A445-0C87EB9F89A2}">
-                <ask:lineSketchStyleProps xmlns:ask="http://schemas.microsoft.com/office/drawing/2018/sketchyshapes" sd="1219033472">
+                <ask:lineSketchStyleProps xmlns:ask="http://schemas.microsoft.com/office/drawing/2018/sketchyshapes" xmlns="" sd="1219033472">
                   <a:custGeom>
                     <a:avLst/>
                     <a:gdLst>
@@ -7762,7 +7665,7 @@
             <a:prstDash val="dash"/>
             <a:extLst>
               <a:ext uri="{C807C97D-BFC1-408E-A445-0C87EB9F89A2}">
-                <ask:lineSketchStyleProps xmlns:ask="http://schemas.microsoft.com/office/drawing/2018/sketchyshapes" sd="1219033472">
+                <ask:lineSketchStyleProps xmlns:ask="http://schemas.microsoft.com/office/drawing/2018/sketchyshapes" xmlns="" sd="1219033472">
                   <a:custGeom>
                     <a:avLst/>
                     <a:gdLst>
@@ -8298,7 +8201,7 @@
             <a:prstDash val="dash"/>
             <a:extLst>
               <a:ext uri="{C807C97D-BFC1-408E-A445-0C87EB9F89A2}">
-                <ask:lineSketchStyleProps xmlns:ask="http://schemas.microsoft.com/office/drawing/2018/sketchyshapes" sd="1219033472">
+                <ask:lineSketchStyleProps xmlns:ask="http://schemas.microsoft.com/office/drawing/2018/sketchyshapes" xmlns="" sd="1219033472">
                   <a:custGeom>
                     <a:avLst/>
                     <a:gdLst>
@@ -8608,8 +8511,8 @@
         </p:nvSpPr>
         <p:spPr>
           <a:xfrm>
-            <a:off x="1023115" y="305942"/>
-            <a:ext cx="9794514" cy="1319336"/>
+            <a:off x="1023115" y="289009"/>
+            <a:ext cx="9794514" cy="3904659"/>
           </a:xfrm>
           <a:prstGeom prst="rect">
             <a:avLst/>
@@ -8631,8 +8534,59 @@
               <a:rPr lang="en-US" altLang="zh-CN" sz="2800" b="1" dirty="0">
                 <a:latin typeface="+mn-ea"/>
               </a:rPr>
-              <a:t>result</a:t>
-            </a:r>
+              <a:t>result(</a:t>
+            </a:r>
+            <a:r>
+              <a:rPr lang="zh-CN" altLang="en-US" sz="2800" b="1" dirty="0">
+                <a:latin typeface="+mn-ea"/>
+              </a:rPr>
+              <a:t>混合数据集</a:t>
+            </a:r>
+            <a:r>
+              <a:rPr lang="en-US" altLang="zh-CN" sz="2800" b="1" dirty="0">
+                <a:latin typeface="+mn-ea"/>
+              </a:rPr>
+              <a:t>)</a:t>
+            </a:r>
+          </a:p>
+          <a:p>
+            <a:pPr>
+              <a:lnSpc>
+                <a:spcPct val="150000"/>
+              </a:lnSpc>
+            </a:pPr>
+            <a:r>
+              <a:rPr lang="en-US" altLang="zh-CN" sz="2800" dirty="0"/>
+              <a:t>dataset1+dataset2</a:t>
+            </a:r>
+          </a:p>
+          <a:p>
+            <a:pPr>
+              <a:lnSpc>
+                <a:spcPct val="150000"/>
+              </a:lnSpc>
+            </a:pPr>
+            <a:endParaRPr lang="en-US" altLang="zh-CN" sz="2800" dirty="0"/>
+          </a:p>
+          <a:p>
+            <a:pPr>
+              <a:lnSpc>
+                <a:spcPct val="150000"/>
+              </a:lnSpc>
+            </a:pPr>
+            <a:endParaRPr lang="en-US" altLang="zh-CN" sz="2800" dirty="0"/>
+          </a:p>
+          <a:p>
+            <a:pPr>
+              <a:lnSpc>
+                <a:spcPct val="150000"/>
+              </a:lnSpc>
+            </a:pPr>
+            <a:r>
+              <a:rPr lang="en-US" altLang="zh-CN" sz="2800" dirty="0"/>
+              <a:t>dataset3</a:t>
+            </a:r>
+            <a:endParaRPr lang="zh-CN" altLang="en-US" sz="2800" dirty="0"/>
           </a:p>
           <a:p>
             <a:pPr>
@@ -8648,10 +8602,10 @@
       </p:sp>
       <p:pic>
         <p:nvPicPr>
-          <p:cNvPr id="9" name="图片 8">
-            <a:extLst>
-              <a:ext uri="{FF2B5EF4-FFF2-40B4-BE49-F238E27FC236}">
-                <a16:creationId xmlns:a16="http://schemas.microsoft.com/office/drawing/2014/main" id="{E4642D61-A4CB-F1B7-3985-C78F75F8C263}"/>
+          <p:cNvPr id="3" name="图片 2">
+            <a:extLst>
+              <a:ext uri="{FF2B5EF4-FFF2-40B4-BE49-F238E27FC236}">
+                <a16:creationId xmlns:a16="http://schemas.microsoft.com/office/drawing/2014/main" id="{2DE9EDF5-568E-4A2F-8C9C-ACE203893F4F}"/>
               </a:ext>
             </a:extLst>
           </p:cNvPr>
@@ -8668,8 +8622,8 @@
         </p:blipFill>
         <p:spPr>
           <a:xfrm>
-            <a:off x="889117" y="1479030"/>
-            <a:ext cx="9985038" cy="1279929"/>
+            <a:off x="1023115" y="1578694"/>
+            <a:ext cx="7426674" cy="1044575"/>
           </a:xfrm>
           <a:prstGeom prst="rect">
             <a:avLst/>
@@ -8678,10 +8632,10 @@
       </p:pic>
       <p:pic>
         <p:nvPicPr>
-          <p:cNvPr id="5" name="图片 4">
-            <a:extLst>
-              <a:ext uri="{FF2B5EF4-FFF2-40B4-BE49-F238E27FC236}">
-                <a16:creationId xmlns:a16="http://schemas.microsoft.com/office/drawing/2014/main" id="{A0A00F65-25FE-CC82-7AE8-70C2317FFC10}"/>
+          <p:cNvPr id="2" name="图片 1">
+            <a:extLst>
+              <a:ext uri="{FF2B5EF4-FFF2-40B4-BE49-F238E27FC236}">
+                <a16:creationId xmlns:a16="http://schemas.microsoft.com/office/drawing/2014/main" id="{A0C10F6A-C0D9-4686-B1C8-155D501EEFE0}"/>
               </a:ext>
             </a:extLst>
           </p:cNvPr>
@@ -8698,8 +8652,8 @@
         </p:blipFill>
         <p:spPr>
           <a:xfrm>
-            <a:off x="889117" y="3227814"/>
-            <a:ext cx="9427335" cy="1504278"/>
+            <a:off x="1083789" y="3642061"/>
+            <a:ext cx="7366000" cy="908137"/>
           </a:xfrm>
           <a:prstGeom prst="rect">
             <a:avLst/>
@@ -8709,7 +8663,7 @@
     </p:spTree>
     <p:extLst>
       <p:ext uri="{BB962C8B-B14F-4D97-AF65-F5344CB8AC3E}">
-        <p14:creationId xmlns:p14="http://schemas.microsoft.com/office/powerpoint/2010/main" val="4158178257"/>
+        <p14:creationId xmlns:p14="http://schemas.microsoft.com/office/powerpoint/2010/main" val="804261925"/>
       </p:ext>
     </p:extLst>
   </p:cSld>
@@ -8738,10 +8692,10 @@
       </p:grpSpPr>
       <p:sp>
         <p:nvSpPr>
-          <p:cNvPr id="4" name="文本框 3">
-            <a:extLst>
-              <a:ext uri="{FF2B5EF4-FFF2-40B4-BE49-F238E27FC236}">
-                <a16:creationId xmlns:a16="http://schemas.microsoft.com/office/drawing/2014/main" id="{C8C66590-5AA9-4693-8D05-DB6B2C455FC8}"/>
+          <p:cNvPr id="6" name="文本框 5">
+            <a:extLst>
+              <a:ext uri="{FF2B5EF4-FFF2-40B4-BE49-F238E27FC236}">
+                <a16:creationId xmlns:a16="http://schemas.microsoft.com/office/drawing/2014/main" id="{52A96C56-AD1B-445C-AE2E-DD2503917781}"/>
               </a:ext>
             </a:extLst>
           </p:cNvPr>
@@ -8750,7 +8704,7 @@
         </p:nvSpPr>
         <p:spPr>
           <a:xfrm>
-            <a:off x="1023115" y="305942"/>
+            <a:off x="1023115" y="289009"/>
             <a:ext cx="9794514" cy="1319336"/>
           </a:xfrm>
           <a:prstGeom prst="rect">
@@ -8773,8 +8727,15 @@
               <a:rPr lang="en-US" altLang="zh-CN" sz="2800" b="1" dirty="0">
                 <a:latin typeface="+mn-ea"/>
               </a:rPr>
-              <a:t>result</a:t>
-            </a:r>
+              <a:t>result(</a:t>
+            </a:r>
+            <a:r>
+              <a:rPr lang="en-US" altLang="zh-CN" sz="2800" b="1" dirty="0"/>
+              <a:t>NASA)</a:t>
+            </a:r>
+            <a:endParaRPr lang="en-US" altLang="zh-CN" sz="2800" b="1" dirty="0">
+              <a:latin typeface="+mn-ea"/>
+            </a:endParaRPr>
           </a:p>
           <a:p>
             <a:pPr>
@@ -8782,18 +8743,16 @@
                 <a:spcPct val="150000"/>
               </a:lnSpc>
             </a:pPr>
-            <a:endParaRPr lang="en-US" altLang="zh-CN" sz="2800" b="1" dirty="0">
-              <a:latin typeface="+mn-ea"/>
-            </a:endParaRPr>
+            <a:endParaRPr lang="en-US" altLang="zh-CN" sz="2800" dirty="0"/>
           </a:p>
         </p:txBody>
       </p:sp>
       <p:pic>
         <p:nvPicPr>
-          <p:cNvPr id="13" name="图片 12">
-            <a:extLst>
-              <a:ext uri="{FF2B5EF4-FFF2-40B4-BE49-F238E27FC236}">
-                <a16:creationId xmlns:a16="http://schemas.microsoft.com/office/drawing/2014/main" id="{6BDCEA42-AA46-02B2-2088-0099CD572E14}"/>
+          <p:cNvPr id="2" name="图片 1">
+            <a:extLst>
+              <a:ext uri="{FF2B5EF4-FFF2-40B4-BE49-F238E27FC236}">
+                <a16:creationId xmlns:a16="http://schemas.microsoft.com/office/drawing/2014/main" id="{BAFAC988-2D1F-4AE7-BC2C-6DA8C8A4B1A9}"/>
               </a:ext>
             </a:extLst>
           </p:cNvPr>
@@ -8810,38 +8769,8 @@
         </p:blipFill>
         <p:spPr>
           <a:xfrm>
-            <a:off x="1023115" y="1247470"/>
-            <a:ext cx="9570988" cy="1058217"/>
-          </a:xfrm>
-          <a:prstGeom prst="rect">
-            <a:avLst/>
-          </a:prstGeom>
-        </p:spPr>
-      </p:pic>
-      <p:pic>
-        <p:nvPicPr>
-          <p:cNvPr id="5" name="图片 4">
-            <a:extLst>
-              <a:ext uri="{FF2B5EF4-FFF2-40B4-BE49-F238E27FC236}">
-                <a16:creationId xmlns:a16="http://schemas.microsoft.com/office/drawing/2014/main" id="{1461E970-ACEE-639B-C60E-22D6CEDD1E49}"/>
-              </a:ext>
-            </a:extLst>
-          </p:cNvPr>
-          <p:cNvPicPr>
-            <a:picLocks noChangeAspect="1"/>
-          </p:cNvPicPr>
-          <p:nvPr/>
-        </p:nvPicPr>
-        <p:blipFill>
-          <a:blip r:embed="rId3"/>
-          <a:stretch>
-            <a:fillRect/>
-          </a:stretch>
-        </p:blipFill>
-        <p:spPr>
-          <a:xfrm>
-            <a:off x="1023115" y="3044758"/>
-            <a:ext cx="9497913" cy="1200330"/>
+            <a:off x="1023115" y="2150534"/>
+            <a:ext cx="8117951" cy="1564745"/>
           </a:xfrm>
           <a:prstGeom prst="rect">
             <a:avLst/>
@@ -8851,7 +8780,7 @@
     </p:spTree>
     <p:extLst>
       <p:ext uri="{BB962C8B-B14F-4D97-AF65-F5344CB8AC3E}">
-        <p14:creationId xmlns:p14="http://schemas.microsoft.com/office/powerpoint/2010/main" val="804261925"/>
+        <p14:creationId xmlns:p14="http://schemas.microsoft.com/office/powerpoint/2010/main" val="1070420701"/>
       </p:ext>
     </p:extLst>
   </p:cSld>
